--- a/Java Meetup - MongoDB.pptx
+++ b/Java Meetup - MongoDB.pptx
@@ -8764,7 +8764,7 @@
             <a:fld id="{83AC0DCF-5A7C-4A09-883B-4DCA5A771464}" type="datetimeFigureOut">
               <a:rPr lang="en-US" smtClean="0"/>
               <a:pPr/>
-              <a:t>8/4/2014</a:t>
+              <a:t>8/6/2014</a:t>
             </a:fld>
             <a:endParaRPr lang="en-US"/>
           </a:p>
@@ -8954,7 +8954,7 @@
             <a:fld id="{83AC0DCF-5A7C-4A09-883B-4DCA5A771464}" type="datetimeFigureOut">
               <a:rPr lang="en-US" smtClean="0"/>
               <a:pPr/>
-              <a:t>8/4/2014</a:t>
+              <a:t>8/6/2014</a:t>
             </a:fld>
             <a:endParaRPr lang="en-US" dirty="0"/>
           </a:p>
@@ -9403,7 +9403,7 @@
             <a:fld id="{83AC0DCF-5A7C-4A09-883B-4DCA5A771464}" type="datetimeFigureOut">
               <a:rPr lang="en-US" smtClean="0"/>
               <a:pPr/>
-              <a:t>8/4/2014</a:t>
+              <a:t>8/6/2014</a:t>
             </a:fld>
             <a:endParaRPr lang="en-US"/>
           </a:p>
@@ -9687,7 +9687,7 @@
             <a:fld id="{83AC0DCF-5A7C-4A09-883B-4DCA5A771464}" type="datetimeFigureOut">
               <a:rPr lang="en-US" smtClean="0"/>
               <a:pPr/>
-              <a:t>8/4/2014</a:t>
+              <a:t>8/6/2014</a:t>
             </a:fld>
             <a:endParaRPr lang="en-US"/>
           </a:p>
@@ -10019,7 +10019,7 @@
             <a:fld id="{83AC0DCF-5A7C-4A09-883B-4DCA5A771464}" type="datetimeFigureOut">
               <a:rPr lang="en-US" smtClean="0"/>
               <a:pPr/>
-              <a:t>8/4/2014</a:t>
+              <a:t>8/6/2014</a:t>
             </a:fld>
             <a:endParaRPr lang="en-US"/>
           </a:p>
@@ -10178,7 +10178,7 @@
             <a:fld id="{83AC0DCF-5A7C-4A09-883B-4DCA5A771464}" type="datetimeFigureOut">
               <a:rPr lang="en-US" smtClean="0"/>
               <a:pPr/>
-              <a:t>8/4/2014</a:t>
+              <a:t>8/6/2014</a:t>
             </a:fld>
             <a:endParaRPr lang="en-US"/>
           </a:p>
@@ -10335,7 +10335,7 @@
             <a:fld id="{83AC0DCF-5A7C-4A09-883B-4DCA5A771464}" type="datetimeFigureOut">
               <a:rPr lang="en-US" smtClean="0"/>
               <a:pPr/>
-              <a:t>8/4/2014</a:t>
+              <a:t>8/6/2014</a:t>
             </a:fld>
             <a:endParaRPr lang="en-US"/>
           </a:p>
@@ -10613,7 +10613,7 @@
             <a:fld id="{83AC0DCF-5A7C-4A09-883B-4DCA5A771464}" type="datetimeFigureOut">
               <a:rPr lang="en-US" smtClean="0"/>
               <a:pPr/>
-              <a:t>8/4/2014</a:t>
+              <a:t>8/6/2014</a:t>
             </a:fld>
             <a:endParaRPr lang="en-US"/>
           </a:p>
@@ -11076,7 +11076,7 @@
             <a:fld id="{83AC0DCF-5A7C-4A09-883B-4DCA5A771464}" type="datetimeFigureOut">
               <a:rPr lang="en-US" smtClean="0"/>
               <a:pPr/>
-              <a:t>8/4/2014</a:t>
+              <a:t>8/6/2014</a:t>
             </a:fld>
             <a:endParaRPr lang="en-US"/>
           </a:p>
@@ -11265,7 +11265,7 @@
             <a:fld id="{83AC0DCF-5A7C-4A09-883B-4DCA5A771464}" type="datetimeFigureOut">
               <a:rPr lang="en-US" smtClean="0"/>
               <a:pPr/>
-              <a:t>8/4/2014</a:t>
+              <a:t>8/6/2014</a:t>
             </a:fld>
             <a:endParaRPr lang="en-US"/>
           </a:p>
@@ -11505,7 +11505,7 @@
             <a:fld id="{83AC0DCF-5A7C-4A09-883B-4DCA5A771464}" type="datetimeFigureOut">
               <a:rPr lang="en-US" smtClean="0"/>
               <a:pPr/>
-              <a:t>8/4/2014</a:t>
+              <a:t>8/6/2014</a:t>
             </a:fld>
             <a:endParaRPr lang="en-US"/>
           </a:p>
@@ -12352,11 +12352,11 @@
             <a:pPr algn="r"/>
             <a:r>
               <a:rPr lang="en-US" sz="3200" i="1" dirty="0" smtClean="0"/>
-              <a:t>JUNE</a:t>
-            </a:r>
-            <a:r>
-              <a:rPr lang="en-US" sz="3200" i="1" smtClean="0"/>
-              <a:t>, 2014</a:t>
+              <a:t>August, </a:t>
+            </a:r>
+            <a:r>
+              <a:rPr lang="en-US" sz="3200" i="1" dirty="0" smtClean="0"/>
+              <a:t>2014</a:t>
             </a:r>
             <a:endParaRPr lang="en-US" sz="3200" i="1" dirty="0"/>
           </a:p>
@@ -21462,11 +21462,7 @@
             </a:r>
             <a:r>
               <a:rPr lang="en-US" altLang="en-US" sz="2800" dirty="0" smtClean="0"/>
-              <a:t> </a:t>
-            </a:r>
-            <a:r>
-              <a:rPr lang="en-US" altLang="en-US" sz="2800" dirty="0" smtClean="0"/>
-              <a:t>- BSON</a:t>
+              <a:t> - BSON</a:t>
             </a:r>
             <a:endParaRPr lang="hu-HU" altLang="en-US" sz="2800" dirty="0"/>
           </a:p>
